--- a/presentations/slides-113-BRSKI-PRM.pptx
+++ b/presentations/slides-113-BRSKI-PRM.pptx
@@ -327,7 +327,7 @@
           <a:p>
             <a:fld id="{33B5B5E8-CA78-4A82-83A0-867EF5A818AE}" type="datetimeFigureOut">
               <a:rPr lang="en-US" smtClean="0"/>
-              <a:t>3/4/2022</a:t>
+              <a:t>3/22/2022</a:t>
             </a:fld>
             <a:endParaRPr lang="en-US"/>
           </a:p>
@@ -1337,7 +1337,7 @@
           <a:p>
             <a:fld id="{8C792E63-5F21-4F54-A864-D84D9F273FCA}" type="datetimeFigureOut">
               <a:rPr lang="en-US" smtClean="0"/>
-              <a:t>3/4/2022</a:t>
+              <a:t>3/22/2022</a:t>
             </a:fld>
             <a:endParaRPr lang="en-US" dirty="0"/>
           </a:p>
@@ -1555,7 +1555,7 @@
           <a:p>
             <a:fld id="{8C792E63-5F21-4F54-A864-D84D9F273FCA}" type="datetimeFigureOut">
               <a:rPr lang="en-US" smtClean="0"/>
-              <a:t>3/4/2022</a:t>
+              <a:t>3/22/2022</a:t>
             </a:fld>
             <a:endParaRPr lang="en-US"/>
           </a:p>
@@ -1779,7 +1779,7 @@
           <a:p>
             <a:fld id="{8C792E63-5F21-4F54-A864-D84D9F273FCA}" type="datetimeFigureOut">
               <a:rPr lang="en-US" smtClean="0"/>
-              <a:t>3/4/2022</a:t>
+              <a:t>3/22/2022</a:t>
             </a:fld>
             <a:endParaRPr lang="en-US"/>
           </a:p>
@@ -1993,7 +1993,7 @@
           <a:p>
             <a:fld id="{8C792E63-5F21-4F54-A864-D84D9F273FCA}" type="datetimeFigureOut">
               <a:rPr lang="en-US" smtClean="0"/>
-              <a:t>3/4/2022</a:t>
+              <a:t>3/22/2022</a:t>
             </a:fld>
             <a:endParaRPr lang="en-US"/>
           </a:p>
@@ -2284,7 +2284,7 @@
           <a:p>
             <a:fld id="{8C792E63-5F21-4F54-A864-D84D9F273FCA}" type="datetimeFigureOut">
               <a:rPr lang="en-US" smtClean="0"/>
-              <a:t>3/4/2022</a:t>
+              <a:t>3/22/2022</a:t>
             </a:fld>
             <a:endParaRPr lang="en-US"/>
           </a:p>
@@ -2565,7 +2565,7 @@
           <a:p>
             <a:fld id="{8C792E63-5F21-4F54-A864-D84D9F273FCA}" type="datetimeFigureOut">
               <a:rPr lang="en-US" smtClean="0"/>
-              <a:t>3/4/2022</a:t>
+              <a:t>3/22/2022</a:t>
             </a:fld>
             <a:endParaRPr lang="en-US"/>
           </a:p>
@@ -2993,7 +2993,7 @@
           <a:p>
             <a:fld id="{8C792E63-5F21-4F54-A864-D84D9F273FCA}" type="datetimeFigureOut">
               <a:rPr lang="en-US" smtClean="0"/>
-              <a:t>3/4/2022</a:t>
+              <a:t>3/22/2022</a:t>
             </a:fld>
             <a:endParaRPr lang="en-US"/>
           </a:p>
@@ -3150,7 +3150,7 @@
           <a:p>
             <a:fld id="{8C792E63-5F21-4F54-A864-D84D9F273FCA}" type="datetimeFigureOut">
               <a:rPr lang="en-US" smtClean="0"/>
-              <a:t>3/4/2022</a:t>
+              <a:t>3/22/2022</a:t>
             </a:fld>
             <a:endParaRPr lang="en-US"/>
           </a:p>
@@ -3279,7 +3279,7 @@
           <a:p>
             <a:fld id="{8C792E63-5F21-4F54-A864-D84D9F273FCA}" type="datetimeFigureOut">
               <a:rPr lang="en-US" smtClean="0"/>
-              <a:t>3/4/2022</a:t>
+              <a:t>3/22/2022</a:t>
             </a:fld>
             <a:endParaRPr lang="en-US"/>
           </a:p>
@@ -3606,7 +3606,7 @@
           <a:p>
             <a:fld id="{8C792E63-5F21-4F54-A864-D84D9F273FCA}" type="datetimeFigureOut">
               <a:rPr lang="en-US" smtClean="0"/>
-              <a:t>3/4/2022</a:t>
+              <a:t>3/22/2022</a:t>
             </a:fld>
             <a:endParaRPr lang="en-US"/>
           </a:p>
@@ -3910,7 +3910,7 @@
           <a:p>
             <a:fld id="{8C792E63-5F21-4F54-A864-D84D9F273FCA}" type="datetimeFigureOut">
               <a:rPr lang="en-US" smtClean="0"/>
-              <a:t>3/4/2022</a:t>
+              <a:t>3/22/2022</a:t>
             </a:fld>
             <a:endParaRPr lang="en-US"/>
           </a:p>
@@ -4202,7 +4202,7 @@
           <a:p>
             <a:fld id="{8C792E63-5F21-4F54-A864-D84D9F273FCA}" type="datetimeFigureOut">
               <a:rPr lang="en-US" smtClean="0"/>
-              <a:t>3/4/2022</a:t>
+              <a:t>3/22/2022</a:t>
             </a:fld>
             <a:endParaRPr lang="en-US"/>
           </a:p>
@@ -4790,7 +4790,12 @@
             <p:ph idx="1"/>
           </p:nvPr>
         </p:nvSpPr>
-        <p:spPr/>
+        <p:spPr>
+          <a:xfrm>
+            <a:off x="838199" y="1825625"/>
+            <a:ext cx="10695039" cy="4351338"/>
+          </a:xfrm>
+        </p:spPr>
         <p:txBody>
           <a:bodyPr>
             <a:noAutofit/>
@@ -4802,20 +4807,20 @@
                 <a:spcPct val="100000"/>
               </a:lnSpc>
               <a:buSzPct val="80000"/>
+              <a:buFont typeface="Calibri" panose="020F0502020204030204" pitchFamily="34" charset="0"/>
+              <a:buChar char="–"/>
             </a:pPr>
             <a:r>
               <a:rPr lang="en-US" sz="2200" dirty="0"/>
-              <a:t>Issue #15: Included option for additional signature of the voucher by the registrar to support verification of POP of the registrars private key </a:t>
-            </a:r>
-            <a:r>
-              <a:rPr lang="en-US" sz="2200" dirty="0">
-                <a:sym typeface="Wingdings" panose="05000000000000000000" pitchFamily="2" charset="2"/>
-              </a:rPr>
-              <a:t> </a:t>
+              <a:t>Issue #11: New endpoint defined on registrar to enable delivery of wrapped enrollment request (in contrast to plain PKCS#10 in </a:t>
+            </a:r>
+            <a:r>
+              <a:rPr lang="en-US" sz="2200" dirty="0" err="1"/>
+              <a:t>simpleenroll</a:t>
             </a:r>
             <a:r>
               <a:rPr lang="en-US" sz="2200" dirty="0"/>
-              <a:t>supports provisional accept</a:t>
+              <a:t>).</a:t>
             </a:r>
           </a:p>
           <a:p>
@@ -4824,20 +4829,20 @@
                 <a:spcPct val="100000"/>
               </a:lnSpc>
               <a:buSzPct val="80000"/>
-              <a:buFont typeface="Wingdings" panose="05000000000000000000" pitchFamily="2" charset="2"/>
-              <a:buChar char="ü"/>
+              <a:buFont typeface="Calibri" panose="020F0502020204030204" pitchFamily="34" charset="0"/>
+              <a:buChar char="–"/>
             </a:pPr>
             <a:r>
               <a:rPr lang="en-US" sz="2200" dirty="0"/>
-              <a:t>Issue #11: New endpoint on registrar to enable delivery of the wrapped enrollment request (in contrast to plain PKCS#10 in </a:t>
+              <a:t>Issue #8: Dropped additional signature on enrollment-response object by the registrar. Enrollment response will only contain the generic </a:t>
             </a:r>
             <a:r>
               <a:rPr lang="en-US" sz="2200" dirty="0" err="1"/>
-              <a:t>simpleenroll</a:t>
+              <a:t>LDevID</a:t>
             </a:r>
             <a:r>
               <a:rPr lang="en-US" sz="2200" dirty="0"/>
-              <a:t>).</a:t>
+              <a:t> EE certificate. </a:t>
             </a:r>
           </a:p>
           <a:p>
@@ -4846,12 +4851,12 @@
                 <a:spcPct val="100000"/>
               </a:lnSpc>
               <a:buSzPct val="80000"/>
-              <a:buFont typeface="Wingdings" panose="05000000000000000000" pitchFamily="2" charset="2"/>
-              <a:buChar char="ü"/>
+              <a:buFont typeface="Calibri" panose="020F0502020204030204" pitchFamily="34" charset="0"/>
+              <a:buChar char="–"/>
             </a:pPr>
             <a:r>
               <a:rPr lang="en-US" sz="2200" dirty="0"/>
-              <a:t>Issue #8: No additional signature on enrollment-response object by the registrar. Enrollment response will only contain the generic </a:t>
+              <a:t>Issue #7: Dropped support for multiple CSRs during bootstrapping. Generic </a:t>
             </a:r>
             <a:r>
               <a:rPr lang="en-US" sz="2200" dirty="0" err="1"/>
@@ -4859,7 +4864,7 @@
             </a:r>
             <a:r>
               <a:rPr lang="en-US" sz="2200" dirty="0"/>
-              <a:t> EE certificate. </a:t>
+              <a:t> EE is expected to be used for further enrollment requests. Existing endpoints may be reused.</a:t>
             </a:r>
           </a:p>
           <a:p>
@@ -4868,20 +4873,28 @@
                 <a:spcPct val="100000"/>
               </a:lnSpc>
               <a:buSzPct val="80000"/>
-              <a:buFont typeface="Wingdings" panose="05000000000000000000" pitchFamily="2" charset="2"/>
-              <a:buChar char="ü"/>
+              <a:buFont typeface="Calibri" panose="020F0502020204030204" pitchFamily="34" charset="0"/>
+              <a:buChar char="–"/>
             </a:pPr>
             <a:r>
               <a:rPr lang="en-US" sz="2200" dirty="0"/>
-              <a:t>Issue #7: No support for multiple CSRs during the bootstrapping, as generic </a:t>
+              <a:t>Issue #5: Verification of YANG module </a:t>
             </a:r>
             <a:r>
               <a:rPr lang="en-US" sz="2200" dirty="0" err="1"/>
-              <a:t>LDevID</a:t>
+              <a:t>ietf</a:t>
             </a:r>
             <a:r>
               <a:rPr lang="en-US" sz="2200" dirty="0"/>
-              <a:t> EE is expected to be used for further enrollment requests. Existing endpoints may be reused.</a:t>
+              <a:t>-</a:t>
+            </a:r>
+            <a:r>
+              <a:rPr lang="en-US" sz="2200" dirty="0" err="1"/>
+              <a:t>ztp</a:t>
+            </a:r>
+            <a:r>
+              <a:rPr lang="en-US" sz="2200" dirty="0"/>
+              <a:t>-types usage in draft via PoC</a:t>
             </a:r>
           </a:p>
           <a:p>
@@ -4890,42 +4903,12 @@
                 <a:spcPct val="100000"/>
               </a:lnSpc>
               <a:buSzPct val="80000"/>
-              <a:buFont typeface="Wingdings" panose="05000000000000000000" pitchFamily="2" charset="2"/>
-              <a:buChar char="ü"/>
+              <a:buFont typeface="Calibri" panose="020F0502020204030204" pitchFamily="34" charset="0"/>
+              <a:buChar char="–"/>
             </a:pPr>
             <a:r>
               <a:rPr lang="en-US" sz="2200" dirty="0"/>
-              <a:t>Issue #5: Verification of </a:t>
-            </a:r>
-            <a:r>
-              <a:rPr lang="en-US" sz="2200" dirty="0" err="1"/>
-              <a:t>ietf</a:t>
-            </a:r>
-            <a:r>
-              <a:rPr lang="en-US" sz="2200" dirty="0"/>
-              <a:t>-</a:t>
-            </a:r>
-            <a:r>
-              <a:rPr lang="en-US" sz="2200" dirty="0" err="1"/>
-              <a:t>ztp</a:t>
-            </a:r>
-            <a:r>
-              <a:rPr lang="en-US" sz="2200" dirty="0"/>
-              <a:t>-types usage in draft via PoC</a:t>
-            </a:r>
-          </a:p>
-          <a:p>
-            <a:pPr>
-              <a:lnSpc>
-                <a:spcPct val="100000"/>
-              </a:lnSpc>
-              <a:buSzPct val="80000"/>
-              <a:buFont typeface="Wingdings" panose="05000000000000000000" pitchFamily="2" charset="2"/>
-              <a:buChar char="ü"/>
-            </a:pPr>
-            <a:r>
-              <a:rPr lang="en-US" sz="2200" dirty="0"/>
-              <a:t>Issue #4: Assertion-type aligned with voucher definition in RFC8366bis</a:t>
+              <a:t>Issue #4: Voucher assertion-type aligned with RFC8366bis</a:t>
             </a:r>
           </a:p>
         </p:txBody>
@@ -5056,7 +5039,7 @@
             <a:fld id="{8C792E63-5F21-4F54-A864-D84D9F273FCA}" type="datetimeFigureOut">
               <a:rPr lang="en-US" smtClean="0"/>
               <a:pPr/>
-              <a:t>3/4/2022</a:t>
+              <a:t>3/22/2022</a:t>
             </a:fld>
             <a:endParaRPr lang="en-US" dirty="0"/>
           </a:p>
@@ -5296,12 +5279,12 @@
                 <a:spcPct val="100000"/>
               </a:lnSpc>
               <a:buSzPct val="80000"/>
-              <a:buFont typeface="Wingdings" panose="05000000000000000000" pitchFamily="2" charset="2"/>
-              <a:buChar char="ü"/>
+              <a:buFont typeface="Calibri" panose="020F0502020204030204" pitchFamily="34" charset="0"/>
+              <a:buChar char="–"/>
             </a:pPr>
             <a:r>
               <a:rPr lang="en-US" sz="2200" dirty="0"/>
-              <a:t>Change of agent-sign-cert from simple object to an array to allow </a:t>
+              <a:t>Agent-sign-cert converted to an array to allow for certificate chain when </a:t>
             </a:r>
             <a:r>
               <a:rPr lang="en-US" sz="2200" dirty="0" err="1"/>
@@ -5317,7 +5300,7 @@
             </a:r>
             <a:r>
               <a:rPr lang="en-US" sz="2200" dirty="0"/>
-              <a:t>) certificate to be issued by a different CA than </a:t>
+              <a:t>) certificate is issued by a different CA than </a:t>
             </a:r>
             <a:r>
               <a:rPr lang="en-US" sz="2200" dirty="0" err="1"/>
@@ -5325,7 +5308,14 @@
             </a:r>
             <a:r>
               <a:rPr lang="en-US" sz="2200" dirty="0"/>
-              <a:t> (Reg) certificate (changes in voucher enhancement and handling description)</a:t>
+              <a:t> (Reg) certificate </a:t>
+            </a:r>
+            <a:br>
+              <a:rPr lang="en-US" sz="2200" dirty="0"/>
+            </a:br>
+            <a:r>
+              <a:rPr lang="en-US" sz="2200" dirty="0"/>
+              <a:t>(changes in voucher enhancement and handling description)</a:t>
             </a:r>
           </a:p>
           <a:p>
@@ -5334,12 +5324,12 @@
                 <a:spcPct val="100000"/>
               </a:lnSpc>
               <a:buSzPct val="80000"/>
-              <a:buFont typeface="Wingdings" panose="05000000000000000000" pitchFamily="2" charset="2"/>
-              <a:buChar char="ü"/>
+              <a:buFont typeface="Calibri" panose="020F0502020204030204" pitchFamily="34" charset="0"/>
+              <a:buChar char="–"/>
             </a:pPr>
             <a:r>
               <a:rPr lang="en-US" sz="2200" dirty="0"/>
-              <a:t>Included description of authorization check of registrar-agent at registrar during TLS and during pledge-voucher-request processing (based on agent-signed-data) </a:t>
+              <a:t>Authorization check of registrar-agent at registrar during TLS and during pledge-voucher-request processing (based on agent-signed-data) more elaborately described</a:t>
             </a:r>
           </a:p>
           <a:p>
@@ -5348,8 +5338,8 @@
                 <a:spcPct val="100000"/>
               </a:lnSpc>
               <a:buSzPct val="80000"/>
-              <a:buFont typeface="Wingdings" panose="05000000000000000000" pitchFamily="2" charset="2"/>
-              <a:buChar char="ü"/>
+              <a:buFont typeface="Calibri" panose="020F0502020204030204" pitchFamily="34" charset="0"/>
+              <a:buChar char="–"/>
             </a:pPr>
             <a:r>
               <a:rPr lang="en-US" sz="2200" dirty="0"/>
@@ -5362,8 +5352,8 @@
                 <a:spcPct val="100000"/>
               </a:lnSpc>
               <a:buSzPct val="80000"/>
-              <a:buFont typeface="Wingdings" panose="05000000000000000000" pitchFamily="2" charset="2"/>
-              <a:buChar char="ü"/>
+              <a:buFont typeface="Calibri" panose="020F0502020204030204" pitchFamily="34" charset="0"/>
+              <a:buChar char="–"/>
             </a:pPr>
             <a:r>
               <a:rPr lang="en-US" sz="2200" dirty="0"/>
@@ -5498,7 +5488,7 @@
             <a:fld id="{8C792E63-5F21-4F54-A864-D84D9F273FCA}" type="datetimeFigureOut">
               <a:rPr lang="en-US" smtClean="0"/>
               <a:pPr/>
-              <a:t>3/4/2022</a:t>
+              <a:t>3/22/2022</a:t>
             </a:fld>
             <a:endParaRPr lang="en-US" dirty="0"/>
           </a:p>
@@ -5737,12 +5727,23 @@
               <a:lnSpc>
                 <a:spcPct val="100000"/>
               </a:lnSpc>
-              <a:buFont typeface="Wingdings" panose="05000000000000000000" pitchFamily="2" charset="2"/>
-              <a:buChar char="ü"/>
+              <a:buSzPct val="80000"/>
+              <a:buFont typeface="Calibri" panose="020F0502020204030204" pitchFamily="34" charset="0"/>
+              <a:buChar char="–"/>
             </a:pPr>
             <a:r>
               <a:rPr lang="en-US" sz="2200" dirty="0"/>
-              <a:t>Issue #15 finalized handling of additional signature verification on voucher from registrar</a:t>
+              <a:t>Issue #15: Included option and handling for additional signature of voucher to support verification of POP of the registrars private key </a:t>
+            </a:r>
+            <a:r>
+              <a:rPr lang="en-US" sz="2200" dirty="0">
+                <a:sym typeface="Wingdings" panose="05000000000000000000" pitchFamily="2" charset="2"/>
+              </a:rPr>
+              <a:t> </a:t>
+            </a:r>
+            <a:r>
+              <a:rPr lang="en-US" sz="2200" dirty="0"/>
+              <a:t>supports provisional accept</a:t>
             </a:r>
           </a:p>
           <a:p>
@@ -5750,12 +5751,13 @@
               <a:lnSpc>
                 <a:spcPct val="100000"/>
               </a:lnSpc>
-              <a:buFont typeface="Wingdings" panose="05000000000000000000" pitchFamily="2" charset="2"/>
-              <a:buChar char="ü"/>
+              <a:buSzPct val="80000"/>
+              <a:buFont typeface="Calibri" panose="020F0502020204030204" pitchFamily="34" charset="0"/>
+              <a:buChar char="–"/>
             </a:pPr>
             <a:r>
               <a:rPr lang="en-US" sz="2200" dirty="0"/>
-              <a:t>Included examples for General JWS JSON Serialization</a:t>
+              <a:t>Included representation of objects in General JWS JSON Serialization</a:t>
             </a:r>
           </a:p>
           <a:p>
@@ -5763,12 +5765,13 @@
               <a:lnSpc>
                 <a:spcPct val="100000"/>
               </a:lnSpc>
-              <a:buFont typeface="Wingdings" panose="05000000000000000000" pitchFamily="2" charset="2"/>
-              <a:buChar char="ü"/>
+              <a:buSzPct val="80000"/>
+              <a:buFont typeface="Calibri" panose="020F0502020204030204" pitchFamily="34" charset="0"/>
+              <a:buChar char="–"/>
             </a:pPr>
             <a:r>
               <a:rPr lang="en-US" sz="2200" dirty="0"/>
-              <a:t>Included error responses from pledge if it is not able to create a pledge-voucher request or an enrollment request in section was missing before </a:t>
+              <a:t>Included error responses from pledge if it is not able to create a pledge-voucher request or an enrollment request</a:t>
             </a:r>
           </a:p>
           <a:p>
@@ -5776,11 +5779,18 @@
               <a:lnSpc>
                 <a:spcPct val="100000"/>
               </a:lnSpc>
-              <a:buFont typeface="Wingdings" panose="05000000000000000000" pitchFamily="2" charset="2"/>
-              <a:buChar char="ü"/>
+              <a:buSzPct val="80000"/>
+              <a:buFont typeface="Calibri" panose="020F0502020204030204" pitchFamily="34" charset="0"/>
+              <a:buChar char="–"/>
             </a:pPr>
             <a:r>
-              <a:rPr lang="en-US" sz="2200" dirty="0"/>
+              <a:rPr lang="en-US" sz="2200" dirty="0">
+                <a:solidFill>
+                  <a:schemeClr val="bg1">
+                    <a:lumMod val="65000"/>
+                  </a:schemeClr>
+                </a:solidFill>
+              </a:rPr>
               <a:t>Issue 7+8+14: Resolved open issue regarding handling of multiple CSRs and enrollment responses during the bootstrapping: </a:t>
             </a:r>
           </a:p>
@@ -5791,15 +5801,33 @@
               </a:lnSpc>
             </a:pPr>
             <a:r>
-              <a:rPr lang="en-US" sz="1800" dirty="0"/>
+              <a:rPr lang="en-US" sz="2200" dirty="0">
+                <a:solidFill>
+                  <a:schemeClr val="bg1">
+                    <a:lumMod val="65000"/>
+                  </a:schemeClr>
+                </a:solidFill>
+              </a:rPr>
               <a:t>Initial target is provisioning of generic </a:t>
             </a:r>
             <a:r>
-              <a:rPr lang="en-US" sz="1800" dirty="0" err="1"/>
+              <a:rPr lang="en-US" sz="2200" dirty="0" err="1">
+                <a:solidFill>
+                  <a:schemeClr val="bg1">
+                    <a:lumMod val="65000"/>
+                  </a:schemeClr>
+                </a:solidFill>
+              </a:rPr>
               <a:t>LDevID</a:t>
             </a:r>
             <a:r>
-              <a:rPr lang="en-US" sz="1800" dirty="0"/>
+              <a:rPr lang="en-US" sz="2200" dirty="0">
+                <a:solidFill>
+                  <a:schemeClr val="bg1">
+                    <a:lumMod val="65000"/>
+                  </a:schemeClr>
+                </a:solidFill>
+              </a:rPr>
               <a:t> certificate. </a:t>
             </a:r>
           </a:p>
@@ -5810,7 +5838,13 @@
               </a:lnSpc>
             </a:pPr>
             <a:r>
-              <a:rPr lang="en-US" sz="1800" dirty="0"/>
+              <a:rPr lang="en-US" sz="2200" dirty="0">
+                <a:solidFill>
+                  <a:schemeClr val="bg1">
+                    <a:lumMod val="65000"/>
+                  </a:schemeClr>
+                </a:solidFill>
+              </a:rPr>
               <a:t>Defined endpoints on the pledge may also be used for management of further certificates.</a:t>
             </a:r>
           </a:p>
@@ -5942,7 +5976,7 @@
             <a:fld id="{8C792E63-5F21-4F54-A864-D84D9F273FCA}" type="datetimeFigureOut">
               <a:rPr lang="en-US" smtClean="0"/>
               <a:pPr/>
-              <a:t>3/4/2022</a:t>
+              <a:t>3/22/2022</a:t>
             </a:fld>
             <a:endParaRPr lang="en-US" dirty="0"/>
           </a:p>
@@ -6273,7 +6307,7 @@
             <a:fld id="{8C792E63-5F21-4F54-A864-D84D9F273FCA}" type="datetimeFigureOut">
               <a:rPr lang="en-US" smtClean="0"/>
               <a:pPr/>
-              <a:t>3/4/2022</a:t>
+              <a:t>3/22/2022</a:t>
             </a:fld>
             <a:endParaRPr lang="en-US" dirty="0"/>
           </a:p>
@@ -6573,7 +6607,7 @@
             </a:pPr>
             <a:r>
               <a:rPr lang="en-US" sz="2200" dirty="0"/>
-              <a:t>Currently no open issues </a:t>
+              <a:t>Currently no open issues</a:t>
             </a:r>
           </a:p>
           <a:p>
@@ -6748,7 +6782,7 @@
             <a:fld id="{8C792E63-5F21-4F54-A864-D84D9F273FCA}" type="datetimeFigureOut">
               <a:rPr lang="en-US" smtClean="0"/>
               <a:pPr/>
-              <a:t>3/4/2022</a:t>
+              <a:t>3/22/2022</a:t>
             </a:fld>
             <a:endParaRPr lang="en-US" dirty="0"/>
           </a:p>
@@ -7305,7 +7339,7 @@
             <a:fld id="{8C792E63-5F21-4F54-A864-D84D9F273FCA}" type="datetimeFigureOut">
               <a:rPr lang="en-US" smtClean="0"/>
               <a:pPr/>
-              <a:t>3/4/2022</a:t>
+              <a:t>3/22/2022</a:t>
             </a:fld>
             <a:endParaRPr lang="en-US" dirty="0"/>
           </a:p>
